--- a/Abstract.pptx
+++ b/Abstract.pptx
@@ -286,7 +286,7 @@
           <a:p>
             <a:fld id="{E0AC5528-418D-4BE8-B894-E35AE509E203}" type="datetimeFigureOut">
               <a:rPr lang="en-IN" smtClean="0"/>
-              <a:t>28-03-2025</a:t>
+              <a:t>24-05-2025</a:t>
             </a:fld>
             <a:endParaRPr lang="en-IN"/>
           </a:p>
@@ -486,7 +486,7 @@
           <a:p>
             <a:fld id="{E0AC5528-418D-4BE8-B894-E35AE509E203}" type="datetimeFigureOut">
               <a:rPr lang="en-IN" smtClean="0"/>
-              <a:t>28-03-2025</a:t>
+              <a:t>24-05-2025</a:t>
             </a:fld>
             <a:endParaRPr lang="en-IN"/>
           </a:p>
@@ -696,7 +696,7 @@
           <a:p>
             <a:fld id="{E0AC5528-418D-4BE8-B894-E35AE509E203}" type="datetimeFigureOut">
               <a:rPr lang="en-IN" smtClean="0"/>
-              <a:t>28-03-2025</a:t>
+              <a:t>24-05-2025</a:t>
             </a:fld>
             <a:endParaRPr lang="en-IN"/>
           </a:p>
@@ -896,7 +896,7 @@
           <a:p>
             <a:fld id="{E0AC5528-418D-4BE8-B894-E35AE509E203}" type="datetimeFigureOut">
               <a:rPr lang="en-IN" smtClean="0"/>
-              <a:t>28-03-2025</a:t>
+              <a:t>24-05-2025</a:t>
             </a:fld>
             <a:endParaRPr lang="en-IN"/>
           </a:p>
@@ -1172,7 +1172,7 @@
           <a:p>
             <a:fld id="{E0AC5528-418D-4BE8-B894-E35AE509E203}" type="datetimeFigureOut">
               <a:rPr lang="en-IN" smtClean="0"/>
-              <a:t>28-03-2025</a:t>
+              <a:t>24-05-2025</a:t>
             </a:fld>
             <a:endParaRPr lang="en-IN"/>
           </a:p>
@@ -1440,7 +1440,7 @@
           <a:p>
             <a:fld id="{E0AC5528-418D-4BE8-B894-E35AE509E203}" type="datetimeFigureOut">
               <a:rPr lang="en-IN" smtClean="0"/>
-              <a:t>28-03-2025</a:t>
+              <a:t>24-05-2025</a:t>
             </a:fld>
             <a:endParaRPr lang="en-IN"/>
           </a:p>
@@ -1855,7 +1855,7 @@
           <a:p>
             <a:fld id="{E0AC5528-418D-4BE8-B894-E35AE509E203}" type="datetimeFigureOut">
               <a:rPr lang="en-IN" smtClean="0"/>
-              <a:t>28-03-2025</a:t>
+              <a:t>24-05-2025</a:t>
             </a:fld>
             <a:endParaRPr lang="en-IN"/>
           </a:p>
@@ -1997,7 +1997,7 @@
           <a:p>
             <a:fld id="{E0AC5528-418D-4BE8-B894-E35AE509E203}" type="datetimeFigureOut">
               <a:rPr lang="en-IN" smtClean="0"/>
-              <a:t>28-03-2025</a:t>
+              <a:t>24-05-2025</a:t>
             </a:fld>
             <a:endParaRPr lang="en-IN"/>
           </a:p>
@@ -2110,7 +2110,7 @@
           <a:p>
             <a:fld id="{E0AC5528-418D-4BE8-B894-E35AE509E203}" type="datetimeFigureOut">
               <a:rPr lang="en-IN" smtClean="0"/>
-              <a:t>28-03-2025</a:t>
+              <a:t>24-05-2025</a:t>
             </a:fld>
             <a:endParaRPr lang="en-IN"/>
           </a:p>
@@ -2423,7 +2423,7 @@
           <a:p>
             <a:fld id="{E0AC5528-418D-4BE8-B894-E35AE509E203}" type="datetimeFigureOut">
               <a:rPr lang="en-IN" smtClean="0"/>
-              <a:t>28-03-2025</a:t>
+              <a:t>24-05-2025</a:t>
             </a:fld>
             <a:endParaRPr lang="en-IN"/>
           </a:p>
@@ -2712,7 +2712,7 @@
           <a:p>
             <a:fld id="{E0AC5528-418D-4BE8-B894-E35AE509E203}" type="datetimeFigureOut">
               <a:rPr lang="en-IN" smtClean="0"/>
-              <a:t>28-03-2025</a:t>
+              <a:t>24-05-2025</a:t>
             </a:fld>
             <a:endParaRPr lang="en-IN"/>
           </a:p>
@@ -2955,7 +2955,7 @@
           <a:p>
             <a:fld id="{E0AC5528-418D-4BE8-B894-E35AE509E203}" type="datetimeFigureOut">
               <a:rPr lang="en-IN" smtClean="0"/>
-              <a:t>28-03-2025</a:t>
+              <a:t>24-05-2025</a:t>
             </a:fld>
             <a:endParaRPr lang="en-IN"/>
           </a:p>
@@ -3476,43 +3476,19 @@
           </a:bodyPr>
           <a:lstStyle/>
           <a:p>
-            <a:pPr algn="l"/>
-            <a:r>
-              <a:rPr lang="en-IN" sz="2800" kern="100" dirty="0">
-                <a:solidFill>
-                  <a:srgbClr val="000000"/>
-                </a:solidFill>
-                <a:effectLst/>
-                <a:latin typeface="Calibri" panose="020F0502020204030204" pitchFamily="34" charset="0"/>
-                <a:ea typeface="Calibri" panose="020F0502020204030204" pitchFamily="34" charset="0"/>
-              </a:rPr>
-              <a:t>This project is a web-based tool that simplifies the process of using datasets for machine learning and deep learning model development. Users can easily use a dataset file or insert a URL to load the data into the Python program. The same datasets are also available in the popular </a:t>
-            </a:r>
-            <a:r>
-              <a:rPr lang="en-IN" sz="2800" kern="100" dirty="0" err="1">
-                <a:solidFill>
-                  <a:srgbClr val="000000"/>
-                </a:solidFill>
-                <a:effectLst/>
-                <a:latin typeface="Calibri" panose="020F0502020204030204" pitchFamily="34" charset="0"/>
-                <a:ea typeface="Calibri" panose="020F0502020204030204" pitchFamily="34" charset="0"/>
-              </a:rPr>
+            <a:pPr algn="just"/>
+            <a:r>
+              <a:rPr lang="en-US" sz="2800" dirty="0"/>
+              <a:t>This web-based tool streamlines dataset usage for machine learning and deep learning model development by allowing users to upload a dataset file or provide a URL for seamless integration with Python programs. It supports standardized datasets commonly found in the popular `</a:t>
+            </a:r>
+            <a:r>
+              <a:rPr lang="en-US" sz="2800" dirty="0" err="1"/>
               <a:t>sklearn</a:t>
             </a:r>
             <a:r>
-              <a:rPr lang="en-IN" sz="2800" kern="100" dirty="0">
-                <a:solidFill>
-                  <a:srgbClr val="000000"/>
-                </a:solidFill>
-                <a:effectLst/>
-                <a:latin typeface="Calibri" panose="020F0502020204030204" pitchFamily="34" charset="0"/>
-                <a:ea typeface="Calibri" panose="020F0502020204030204" pitchFamily="34" charset="0"/>
-              </a:rPr>
-              <a:t> module, and the program is also accessible through the webpage. By integrating both options, developers can quickly experiment with and build various machine learning and deep learning models using a familiar and standardized dataset source. The webpage is also integrated with a chatbot, whose primary goal is to provide the data that users request, improving scalability and reducing limitations. </a:t>
-            </a:r>
-          </a:p>
-          <a:p>
-            <a:pPr algn="l"/>
+              <a:rPr lang="en-US" sz="2800" dirty="0"/>
+              <a:t>` module, ensuring accessibility and ease of use for developers. Additionally, the webpage features an integrated chatbot that efficiently provides requested data, enhancing scalability and minimizing limitations. By combining intuitive dataset accessibility with AI-driven assistance, this tool enables developers to experiment, refine, and build models more efficiently. </a:t>
+            </a:r>
             <a:endParaRPr lang="en-IN" sz="2800" dirty="0"/>
           </a:p>
         </p:txBody>
